--- a/Presentations/Processing Raw RNA Reads to Counts.pptx
+++ b/Presentations/Processing Raw RNA Reads to Counts.pptx
@@ -7,17 +7,6 @@
   <p:sldIdLst>
     <p:sldId id="256" r:id="rId2"/>
     <p:sldId id="334" r:id="rId3"/>
-    <p:sldId id="337" r:id="rId4"/>
-    <p:sldId id="338" r:id="rId5"/>
-    <p:sldId id="335" r:id="rId6"/>
-    <p:sldId id="336" r:id="rId7"/>
-    <p:sldId id="339" r:id="rId8"/>
-    <p:sldId id="340" r:id="rId9"/>
-    <p:sldId id="341" r:id="rId10"/>
-    <p:sldId id="342" r:id="rId11"/>
-    <p:sldId id="343" r:id="rId12"/>
-    <p:sldId id="344" r:id="rId13"/>
-    <p:sldId id="345" r:id="rId14"/>
   </p:sldIdLst>
   <p:sldSz cx="12192000" cy="6858000"/>
   <p:notesSz cx="6858000" cy="9144000"/>
@@ -116,6 +105,11 @@
       </a:defRPr>
     </a:lvl9pPr>
   </p:defaultTextStyle>
+  <p:extLst>
+    <p:ext uri="{EFAFB233-063F-42B5-8137-9DF3F51BA10A}">
+      <p15:sldGuideLst xmlns:p15="http://schemas.microsoft.com/office/powerpoint/2012/main"/>
+    </p:ext>
+  </p:extLst>
 </p:presentation>
 </file>
 
@@ -131,8 +125,8 @@
 <pc:chgInfo xmlns:a="http://schemas.openxmlformats.org/drawingml/2006/main" xmlns:r="http://schemas.openxmlformats.org/officeDocument/2006/relationships" xmlns:ac="http://schemas.microsoft.com/office/drawing/2013/main/command" xmlns:pc="http://schemas.microsoft.com/office/powerpoint/2013/main/command">
   <pc:docChgLst>
     <pc:chgData name="Michael Clear" userId="4937e60f41873431" providerId="LiveId" clId="{E6937B94-80BC-485F-9A35-50A0D4417C3D}"/>
-    <pc:docChg chg="addSld modSld">
-      <pc:chgData name="Michael Clear" userId="4937e60f41873431" providerId="LiveId" clId="{E6937B94-80BC-485F-9A35-50A0D4417C3D}" dt="2022-08-31T12:57:04.289" v="71" actId="20577"/>
+    <pc:docChg chg="custSel addSld delSld modSld">
+      <pc:chgData name="Michael Clear" userId="4937e60f41873431" providerId="LiveId" clId="{E6937B94-80BC-485F-9A35-50A0D4417C3D}" dt="2022-09-08T09:32:03.717" v="75" actId="478"/>
       <pc:docMkLst>
         <pc:docMk/>
       </pc:docMkLst>
@@ -151,8 +145,102 @@
           </ac:spMkLst>
         </pc:spChg>
       </pc:sldChg>
-      <pc:sldChg chg="modSp mod">
-        <pc:chgData name="Michael Clear" userId="4937e60f41873431" providerId="LiveId" clId="{E6937B94-80BC-485F-9A35-50A0D4417C3D}" dt="2022-08-31T12:56:53.255" v="57" actId="20577"/>
+      <pc:sldChg chg="delSp mod delAnim">
+        <pc:chgData name="Michael Clear" userId="4937e60f41873431" providerId="LiveId" clId="{E6937B94-80BC-485F-9A35-50A0D4417C3D}" dt="2022-09-08T09:32:03.717" v="75" actId="478"/>
+        <pc:sldMkLst>
+          <pc:docMk/>
+          <pc:sldMk cId="2951170975" sldId="334"/>
+        </pc:sldMkLst>
+        <pc:picChg chg="del">
+          <ac:chgData name="Michael Clear" userId="4937e60f41873431" providerId="LiveId" clId="{E6937B94-80BC-485F-9A35-50A0D4417C3D}" dt="2022-09-08T09:32:03.717" v="75" actId="478"/>
+          <ac:picMkLst>
+            <pc:docMk/>
+            <pc:sldMk cId="2951170975" sldId="334"/>
+            <ac:picMk id="10" creationId="{129A899A-38BB-470B-8861-542D82F8514B}"/>
+          </ac:picMkLst>
+        </pc:picChg>
+        <pc:cxnChg chg="del">
+          <ac:chgData name="Michael Clear" userId="4937e60f41873431" providerId="LiveId" clId="{E6937B94-80BC-485F-9A35-50A0D4417C3D}" dt="2022-09-08T09:32:03.717" v="75" actId="478"/>
+          <ac:cxnSpMkLst>
+            <pc:docMk/>
+            <pc:sldMk cId="2951170975" sldId="334"/>
+            <ac:cxnSpMk id="12" creationId="{76A481AE-CC55-44DE-93BD-BB982A16FB16}"/>
+          </ac:cxnSpMkLst>
+        </pc:cxnChg>
+      </pc:sldChg>
+      <pc:sldChg chg="del">
+        <pc:chgData name="Michael Clear" userId="4937e60f41873431" providerId="LiveId" clId="{E6937B94-80BC-485F-9A35-50A0D4417C3D}" dt="2022-09-08T09:31:55.977" v="74" actId="47"/>
+        <pc:sldMkLst>
+          <pc:docMk/>
+          <pc:sldMk cId="2658941585" sldId="335"/>
+        </pc:sldMkLst>
+      </pc:sldChg>
+      <pc:sldChg chg="del">
+        <pc:chgData name="Michael Clear" userId="4937e60f41873431" providerId="LiveId" clId="{E6937B94-80BC-485F-9A35-50A0D4417C3D}" dt="2022-09-08T09:31:55.977" v="74" actId="47"/>
+        <pc:sldMkLst>
+          <pc:docMk/>
+          <pc:sldMk cId="3857900977" sldId="336"/>
+        </pc:sldMkLst>
+      </pc:sldChg>
+      <pc:sldChg chg="delSp del mod">
+        <pc:chgData name="Michael Clear" userId="4937e60f41873431" providerId="LiveId" clId="{E6937B94-80BC-485F-9A35-50A0D4417C3D}" dt="2022-09-08T09:31:44.956" v="73" actId="47"/>
+        <pc:sldMkLst>
+          <pc:docMk/>
+          <pc:sldMk cId="173606257" sldId="337"/>
+        </pc:sldMkLst>
+        <pc:spChg chg="del">
+          <ac:chgData name="Michael Clear" userId="4937e60f41873431" providerId="LiveId" clId="{E6937B94-80BC-485F-9A35-50A0D4417C3D}" dt="2022-09-08T09:31:18.108" v="72" actId="478"/>
+          <ac:spMkLst>
+            <pc:docMk/>
+            <pc:sldMk cId="173606257" sldId="337"/>
+            <ac:spMk id="3" creationId="{9898AC89-E8AC-23DA-688A-AAF173E49355}"/>
+          </ac:spMkLst>
+        </pc:spChg>
+      </pc:sldChg>
+      <pc:sldChg chg="del">
+        <pc:chgData name="Michael Clear" userId="4937e60f41873431" providerId="LiveId" clId="{E6937B94-80BC-485F-9A35-50A0D4417C3D}" dt="2022-09-08T09:31:44.956" v="73" actId="47"/>
+        <pc:sldMkLst>
+          <pc:docMk/>
+          <pc:sldMk cId="3154055796" sldId="338"/>
+        </pc:sldMkLst>
+      </pc:sldChg>
+      <pc:sldChg chg="del">
+        <pc:chgData name="Michael Clear" userId="4937e60f41873431" providerId="LiveId" clId="{E6937B94-80BC-485F-9A35-50A0D4417C3D}" dt="2022-09-08T09:31:55.977" v="74" actId="47"/>
+        <pc:sldMkLst>
+          <pc:docMk/>
+          <pc:sldMk cId="4159625672" sldId="339"/>
+        </pc:sldMkLst>
+      </pc:sldChg>
+      <pc:sldChg chg="del">
+        <pc:chgData name="Michael Clear" userId="4937e60f41873431" providerId="LiveId" clId="{E6937B94-80BC-485F-9A35-50A0D4417C3D}" dt="2022-09-08T09:31:55.977" v="74" actId="47"/>
+        <pc:sldMkLst>
+          <pc:docMk/>
+          <pc:sldMk cId="3011689496" sldId="340"/>
+        </pc:sldMkLst>
+      </pc:sldChg>
+      <pc:sldChg chg="del">
+        <pc:chgData name="Michael Clear" userId="4937e60f41873431" providerId="LiveId" clId="{E6937B94-80BC-485F-9A35-50A0D4417C3D}" dt="2022-09-08T09:31:55.977" v="74" actId="47"/>
+        <pc:sldMkLst>
+          <pc:docMk/>
+          <pc:sldMk cId="3264383245" sldId="341"/>
+        </pc:sldMkLst>
+      </pc:sldChg>
+      <pc:sldChg chg="del">
+        <pc:chgData name="Michael Clear" userId="4937e60f41873431" providerId="LiveId" clId="{E6937B94-80BC-485F-9A35-50A0D4417C3D}" dt="2022-09-08T09:31:55.977" v="74" actId="47"/>
+        <pc:sldMkLst>
+          <pc:docMk/>
+          <pc:sldMk cId="3687128184" sldId="342"/>
+        </pc:sldMkLst>
+      </pc:sldChg>
+      <pc:sldChg chg="del">
+        <pc:chgData name="Michael Clear" userId="4937e60f41873431" providerId="LiveId" clId="{E6937B94-80BC-485F-9A35-50A0D4417C3D}" dt="2022-09-08T09:31:55.977" v="74" actId="47"/>
+        <pc:sldMkLst>
+          <pc:docMk/>
+          <pc:sldMk cId="3890043257" sldId="343"/>
+        </pc:sldMkLst>
+      </pc:sldChg>
+      <pc:sldChg chg="modSp del mod">
+        <pc:chgData name="Michael Clear" userId="4937e60f41873431" providerId="LiveId" clId="{E6937B94-80BC-485F-9A35-50A0D4417C3D}" dt="2022-09-08T09:31:55.977" v="74" actId="47"/>
         <pc:sldMkLst>
           <pc:docMk/>
           <pc:sldMk cId="1959108318" sldId="344"/>
@@ -166,8 +254,8 @@
           </ac:spMkLst>
         </pc:spChg>
       </pc:sldChg>
-      <pc:sldChg chg="modSp add mod">
-        <pc:chgData name="Michael Clear" userId="4937e60f41873431" providerId="LiveId" clId="{E6937B94-80BC-485F-9A35-50A0D4417C3D}" dt="2022-08-31T12:57:04.289" v="71" actId="20577"/>
+      <pc:sldChg chg="modSp add del mod">
+        <pc:chgData name="Michael Clear" userId="4937e60f41873431" providerId="LiveId" clId="{E6937B94-80BC-485F-9A35-50A0D4417C3D}" dt="2022-09-08T09:31:55.977" v="74" actId="47"/>
         <pc:sldMkLst>
           <pc:docMk/>
           <pc:sldMk cId="3455180090" sldId="345"/>
@@ -333,7 +421,7 @@
           <a:p>
             <a:fld id="{3BE2821B-BA7F-43A8-98B3-E4A053377AA3}" type="datetimeFigureOut">
               <a:rPr lang="en-US" smtClean="0"/>
-              <a:t>8/31/2022</a:t>
+              <a:t>9/8/2022</a:t>
             </a:fld>
             <a:endParaRPr lang="en-US"/>
           </a:p>
@@ -531,7 +619,7 @@
           <a:p>
             <a:fld id="{3BE2821B-BA7F-43A8-98B3-E4A053377AA3}" type="datetimeFigureOut">
               <a:rPr lang="en-US" smtClean="0"/>
-              <a:t>8/31/2022</a:t>
+              <a:t>9/8/2022</a:t>
             </a:fld>
             <a:endParaRPr lang="en-US"/>
           </a:p>
@@ -739,7 +827,7 @@
           <a:p>
             <a:fld id="{3BE2821B-BA7F-43A8-98B3-E4A053377AA3}" type="datetimeFigureOut">
               <a:rPr lang="en-US" smtClean="0"/>
-              <a:t>8/31/2022</a:t>
+              <a:t>9/8/2022</a:t>
             </a:fld>
             <a:endParaRPr lang="en-US"/>
           </a:p>
@@ -937,7 +1025,7 @@
           <a:p>
             <a:fld id="{3BE2821B-BA7F-43A8-98B3-E4A053377AA3}" type="datetimeFigureOut">
               <a:rPr lang="en-US" smtClean="0"/>
-              <a:t>8/31/2022</a:t>
+              <a:t>9/8/2022</a:t>
             </a:fld>
             <a:endParaRPr lang="en-US"/>
           </a:p>
@@ -1212,7 +1300,7 @@
           <a:p>
             <a:fld id="{3BE2821B-BA7F-43A8-98B3-E4A053377AA3}" type="datetimeFigureOut">
               <a:rPr lang="en-US" smtClean="0"/>
-              <a:t>8/31/2022</a:t>
+              <a:t>9/8/2022</a:t>
             </a:fld>
             <a:endParaRPr lang="en-US"/>
           </a:p>
@@ -1477,7 +1565,7 @@
           <a:p>
             <a:fld id="{3BE2821B-BA7F-43A8-98B3-E4A053377AA3}" type="datetimeFigureOut">
               <a:rPr lang="en-US" smtClean="0"/>
-              <a:t>8/31/2022</a:t>
+              <a:t>9/8/2022</a:t>
             </a:fld>
             <a:endParaRPr lang="en-US"/>
           </a:p>
@@ -1889,7 +1977,7 @@
           <a:p>
             <a:fld id="{3BE2821B-BA7F-43A8-98B3-E4A053377AA3}" type="datetimeFigureOut">
               <a:rPr lang="en-US" smtClean="0"/>
-              <a:t>8/31/2022</a:t>
+              <a:t>9/8/2022</a:t>
             </a:fld>
             <a:endParaRPr lang="en-US"/>
           </a:p>
@@ -2030,7 +2118,7 @@
           <a:p>
             <a:fld id="{3BE2821B-BA7F-43A8-98B3-E4A053377AA3}" type="datetimeFigureOut">
               <a:rPr lang="en-US" smtClean="0"/>
-              <a:t>8/31/2022</a:t>
+              <a:t>9/8/2022</a:t>
             </a:fld>
             <a:endParaRPr lang="en-US"/>
           </a:p>
@@ -2143,7 +2231,7 @@
           <a:p>
             <a:fld id="{3BE2821B-BA7F-43A8-98B3-E4A053377AA3}" type="datetimeFigureOut">
               <a:rPr lang="en-US" smtClean="0"/>
-              <a:t>8/31/2022</a:t>
+              <a:t>9/8/2022</a:t>
             </a:fld>
             <a:endParaRPr lang="en-US"/>
           </a:p>
@@ -2454,7 +2542,7 @@
           <a:p>
             <a:fld id="{3BE2821B-BA7F-43A8-98B3-E4A053377AA3}" type="datetimeFigureOut">
               <a:rPr lang="en-US" smtClean="0"/>
-              <a:t>8/31/2022</a:t>
+              <a:t>9/8/2022</a:t>
             </a:fld>
             <a:endParaRPr lang="en-US"/>
           </a:p>
@@ -2742,7 +2830,7 @@
           <a:p>
             <a:fld id="{3BE2821B-BA7F-43A8-98B3-E4A053377AA3}" type="datetimeFigureOut">
               <a:rPr lang="en-US" smtClean="0"/>
-              <a:t>8/31/2022</a:t>
+              <a:t>9/8/2022</a:t>
             </a:fld>
             <a:endParaRPr lang="en-US"/>
           </a:p>
@@ -2983,7 +3071,7 @@
           <a:p>
             <a:fld id="{3BE2821B-BA7F-43A8-98B3-E4A053377AA3}" type="datetimeFigureOut">
               <a:rPr lang="en-US" smtClean="0"/>
-              <a:t>8/31/2022</a:t>
+              <a:t>9/8/2022</a:t>
             </a:fld>
             <a:endParaRPr lang="en-US"/>
           </a:p>
@@ -3473,355 +3561,6 @@
 </p:sld>
 </file>
 
-<file path=ppt/slides/slide10.xml><?xml version="1.0" encoding="utf-8"?>
-<p:sld xmlns:a="http://schemas.openxmlformats.org/drawingml/2006/main" xmlns:r="http://schemas.openxmlformats.org/officeDocument/2006/relationships" xmlns:p="http://schemas.openxmlformats.org/presentationml/2006/main">
-  <p:cSld>
-    <p:spTree>
-      <p:nvGrpSpPr>
-        <p:cNvPr id="1" name=""/>
-        <p:cNvGrpSpPr/>
-        <p:nvPr/>
-      </p:nvGrpSpPr>
-      <p:grpSpPr>
-        <a:xfrm>
-          <a:off x="0" y="0"/>
-          <a:ext cx="0" cy="0"/>
-          <a:chOff x="0" y="0"/>
-          <a:chExt cx="0" cy="0"/>
-        </a:xfrm>
-      </p:grpSpPr>
-      <p:sp>
-        <p:nvSpPr>
-          <p:cNvPr id="2" name="Title 1">
-            <a:extLst>
-              <a:ext uri="{FF2B5EF4-FFF2-40B4-BE49-F238E27FC236}">
-                <a16:creationId xmlns:a16="http://schemas.microsoft.com/office/drawing/2014/main" id="{C0485156-E6D3-CBCD-C312-4FBE8DCE5D84}"/>
-              </a:ext>
-            </a:extLst>
-          </p:cNvPr>
-          <p:cNvSpPr>
-            <a:spLocks noGrp="1"/>
-          </p:cNvSpPr>
-          <p:nvPr>
-            <p:ph type="title"/>
-          </p:nvPr>
-        </p:nvSpPr>
-        <p:spPr/>
-        <p:txBody>
-          <a:bodyPr/>
-          <a:lstStyle/>
-          <a:p>
-            <a:r>
-              <a:rPr lang="en-US" dirty="0"/>
-              <a:t>STAR Code Explained</a:t>
-            </a:r>
-          </a:p>
-        </p:txBody>
-      </p:sp>
-      <p:sp>
-        <p:nvSpPr>
-          <p:cNvPr id="3" name="Content Placeholder 2">
-            <a:extLst>
-              <a:ext uri="{FF2B5EF4-FFF2-40B4-BE49-F238E27FC236}">
-                <a16:creationId xmlns:a16="http://schemas.microsoft.com/office/drawing/2014/main" id="{9898AC89-E8AC-23DA-688A-AAF173E49355}"/>
-              </a:ext>
-            </a:extLst>
-          </p:cNvPr>
-          <p:cNvSpPr>
-            <a:spLocks noGrp="1"/>
-          </p:cNvSpPr>
-          <p:nvPr>
-            <p:ph idx="1"/>
-          </p:nvPr>
-        </p:nvSpPr>
-        <p:spPr/>
-        <p:txBody>
-          <a:bodyPr/>
-          <a:lstStyle/>
-          <a:p>
-            <a:endParaRPr lang="en-US"/>
-          </a:p>
-        </p:txBody>
-      </p:sp>
-    </p:spTree>
-    <p:extLst>
-      <p:ext uri="{BB962C8B-B14F-4D97-AF65-F5344CB8AC3E}">
-        <p14:creationId xmlns:p14="http://schemas.microsoft.com/office/powerpoint/2010/main" val="3687128184"/>
-      </p:ext>
-    </p:extLst>
-  </p:cSld>
-  <p:clrMapOvr>
-    <a:masterClrMapping/>
-  </p:clrMapOvr>
-</p:sld>
-</file>
-
-<file path=ppt/slides/slide11.xml><?xml version="1.0" encoding="utf-8"?>
-<p:sld xmlns:a="http://schemas.openxmlformats.org/drawingml/2006/main" xmlns:r="http://schemas.openxmlformats.org/officeDocument/2006/relationships" xmlns:p="http://schemas.openxmlformats.org/presentationml/2006/main">
-  <p:cSld>
-    <p:spTree>
-      <p:nvGrpSpPr>
-        <p:cNvPr id="1" name=""/>
-        <p:cNvGrpSpPr/>
-        <p:nvPr/>
-      </p:nvGrpSpPr>
-      <p:grpSpPr>
-        <a:xfrm>
-          <a:off x="0" y="0"/>
-          <a:ext cx="0" cy="0"/>
-          <a:chOff x="0" y="0"/>
-          <a:chExt cx="0" cy="0"/>
-        </a:xfrm>
-      </p:grpSpPr>
-      <p:sp>
-        <p:nvSpPr>
-          <p:cNvPr id="2" name="Title 1">
-            <a:extLst>
-              <a:ext uri="{FF2B5EF4-FFF2-40B4-BE49-F238E27FC236}">
-                <a16:creationId xmlns:a16="http://schemas.microsoft.com/office/drawing/2014/main" id="{C0485156-E6D3-CBCD-C312-4FBE8DCE5D84}"/>
-              </a:ext>
-            </a:extLst>
-          </p:cNvPr>
-          <p:cNvSpPr>
-            <a:spLocks noGrp="1"/>
-          </p:cNvSpPr>
-          <p:nvPr>
-            <p:ph type="title"/>
-          </p:nvPr>
-        </p:nvSpPr>
-        <p:spPr/>
-        <p:txBody>
-          <a:bodyPr/>
-          <a:lstStyle/>
-          <a:p>
-            <a:r>
-              <a:rPr lang="en-US" dirty="0"/>
-              <a:t>STAR Output and STAR </a:t>
-            </a:r>
-            <a:r>
-              <a:rPr lang="en-US" dirty="0" err="1"/>
-              <a:t>MultiQC</a:t>
-            </a:r>
-            <a:r>
-              <a:rPr lang="en-US" dirty="0"/>
-              <a:t> Output</a:t>
-            </a:r>
-          </a:p>
-        </p:txBody>
-      </p:sp>
-      <p:sp>
-        <p:nvSpPr>
-          <p:cNvPr id="3" name="Content Placeholder 2">
-            <a:extLst>
-              <a:ext uri="{FF2B5EF4-FFF2-40B4-BE49-F238E27FC236}">
-                <a16:creationId xmlns:a16="http://schemas.microsoft.com/office/drawing/2014/main" id="{9898AC89-E8AC-23DA-688A-AAF173E49355}"/>
-              </a:ext>
-            </a:extLst>
-          </p:cNvPr>
-          <p:cNvSpPr>
-            <a:spLocks noGrp="1"/>
-          </p:cNvSpPr>
-          <p:nvPr>
-            <p:ph idx="1"/>
-          </p:nvPr>
-        </p:nvSpPr>
-        <p:spPr/>
-        <p:txBody>
-          <a:bodyPr/>
-          <a:lstStyle/>
-          <a:p>
-            <a:endParaRPr lang="en-US"/>
-          </a:p>
-        </p:txBody>
-      </p:sp>
-    </p:spTree>
-    <p:extLst>
-      <p:ext uri="{BB962C8B-B14F-4D97-AF65-F5344CB8AC3E}">
-        <p14:creationId xmlns:p14="http://schemas.microsoft.com/office/powerpoint/2010/main" val="3890043257"/>
-      </p:ext>
-    </p:extLst>
-  </p:cSld>
-  <p:clrMapOvr>
-    <a:masterClrMapping/>
-  </p:clrMapOvr>
-</p:sld>
-</file>
-
-<file path=ppt/slides/slide12.xml><?xml version="1.0" encoding="utf-8"?>
-<p:sld xmlns:a="http://schemas.openxmlformats.org/drawingml/2006/main" xmlns:r="http://schemas.openxmlformats.org/officeDocument/2006/relationships" xmlns:p="http://schemas.openxmlformats.org/presentationml/2006/main">
-  <p:cSld>
-    <p:spTree>
-      <p:nvGrpSpPr>
-        <p:cNvPr id="1" name=""/>
-        <p:cNvGrpSpPr/>
-        <p:nvPr/>
-      </p:nvGrpSpPr>
-      <p:grpSpPr>
-        <a:xfrm>
-          <a:off x="0" y="0"/>
-          <a:ext cx="0" cy="0"/>
-          <a:chOff x="0" y="0"/>
-          <a:chExt cx="0" cy="0"/>
-        </a:xfrm>
-      </p:grpSpPr>
-      <p:sp>
-        <p:nvSpPr>
-          <p:cNvPr id="2" name="Title 1">
-            <a:extLst>
-              <a:ext uri="{FF2B5EF4-FFF2-40B4-BE49-F238E27FC236}">
-                <a16:creationId xmlns:a16="http://schemas.microsoft.com/office/drawing/2014/main" id="{C0485156-E6D3-CBCD-C312-4FBE8DCE5D84}"/>
-              </a:ext>
-            </a:extLst>
-          </p:cNvPr>
-          <p:cNvSpPr>
-            <a:spLocks noGrp="1"/>
-          </p:cNvSpPr>
-          <p:nvPr>
-            <p:ph type="title"/>
-          </p:nvPr>
-        </p:nvSpPr>
-        <p:spPr/>
-        <p:txBody>
-          <a:bodyPr/>
-          <a:lstStyle/>
-          <a:p>
-            <a:r>
-              <a:rPr lang="en-US" dirty="0" err="1"/>
-              <a:t>HTSeq</a:t>
-            </a:r>
-            <a:r>
-              <a:rPr lang="en-US" dirty="0"/>
-              <a:t> Explained</a:t>
-            </a:r>
-          </a:p>
-        </p:txBody>
-      </p:sp>
-      <p:sp>
-        <p:nvSpPr>
-          <p:cNvPr id="3" name="Content Placeholder 2">
-            <a:extLst>
-              <a:ext uri="{FF2B5EF4-FFF2-40B4-BE49-F238E27FC236}">
-                <a16:creationId xmlns:a16="http://schemas.microsoft.com/office/drawing/2014/main" id="{9898AC89-E8AC-23DA-688A-AAF173E49355}"/>
-              </a:ext>
-            </a:extLst>
-          </p:cNvPr>
-          <p:cNvSpPr>
-            <a:spLocks noGrp="1"/>
-          </p:cNvSpPr>
-          <p:nvPr>
-            <p:ph idx="1"/>
-          </p:nvPr>
-        </p:nvSpPr>
-        <p:spPr/>
-        <p:txBody>
-          <a:bodyPr/>
-          <a:lstStyle/>
-          <a:p>
-            <a:endParaRPr lang="en-US"/>
-          </a:p>
-        </p:txBody>
-      </p:sp>
-    </p:spTree>
-    <p:extLst>
-      <p:ext uri="{BB962C8B-B14F-4D97-AF65-F5344CB8AC3E}">
-        <p14:creationId xmlns:p14="http://schemas.microsoft.com/office/powerpoint/2010/main" val="1959108318"/>
-      </p:ext>
-    </p:extLst>
-  </p:cSld>
-  <p:clrMapOvr>
-    <a:masterClrMapping/>
-  </p:clrMapOvr>
-</p:sld>
-</file>
-
-<file path=ppt/slides/slide13.xml><?xml version="1.0" encoding="utf-8"?>
-<p:sld xmlns:a="http://schemas.openxmlformats.org/drawingml/2006/main" xmlns:r="http://schemas.openxmlformats.org/officeDocument/2006/relationships" xmlns:p="http://schemas.openxmlformats.org/presentationml/2006/main">
-  <p:cSld>
-    <p:spTree>
-      <p:nvGrpSpPr>
-        <p:cNvPr id="1" name=""/>
-        <p:cNvGrpSpPr/>
-        <p:nvPr/>
-      </p:nvGrpSpPr>
-      <p:grpSpPr>
-        <a:xfrm>
-          <a:off x="0" y="0"/>
-          <a:ext cx="0" cy="0"/>
-          <a:chOff x="0" y="0"/>
-          <a:chExt cx="0" cy="0"/>
-        </a:xfrm>
-      </p:grpSpPr>
-      <p:sp>
-        <p:nvSpPr>
-          <p:cNvPr id="2" name="Title 1">
-            <a:extLst>
-              <a:ext uri="{FF2B5EF4-FFF2-40B4-BE49-F238E27FC236}">
-                <a16:creationId xmlns:a16="http://schemas.microsoft.com/office/drawing/2014/main" id="{C0485156-E6D3-CBCD-C312-4FBE8DCE5D84}"/>
-              </a:ext>
-            </a:extLst>
-          </p:cNvPr>
-          <p:cNvSpPr>
-            <a:spLocks noGrp="1"/>
-          </p:cNvSpPr>
-          <p:nvPr>
-            <p:ph type="title"/>
-          </p:nvPr>
-        </p:nvSpPr>
-        <p:spPr/>
-        <p:txBody>
-          <a:bodyPr/>
-          <a:lstStyle/>
-          <a:p>
-            <a:r>
-              <a:rPr lang="en-US" dirty="0"/>
-              <a:t>Running </a:t>
-            </a:r>
-            <a:r>
-              <a:rPr lang="en-US" dirty="0" err="1"/>
-              <a:t>HTSeq</a:t>
-            </a:r>
-            <a:endParaRPr lang="en-US" dirty="0"/>
-          </a:p>
-        </p:txBody>
-      </p:sp>
-      <p:sp>
-        <p:nvSpPr>
-          <p:cNvPr id="3" name="Content Placeholder 2">
-            <a:extLst>
-              <a:ext uri="{FF2B5EF4-FFF2-40B4-BE49-F238E27FC236}">
-                <a16:creationId xmlns:a16="http://schemas.microsoft.com/office/drawing/2014/main" id="{9898AC89-E8AC-23DA-688A-AAF173E49355}"/>
-              </a:ext>
-            </a:extLst>
-          </p:cNvPr>
-          <p:cNvSpPr>
-            <a:spLocks noGrp="1"/>
-          </p:cNvSpPr>
-          <p:nvPr>
-            <p:ph idx="1"/>
-          </p:nvPr>
-        </p:nvSpPr>
-        <p:spPr/>
-        <p:txBody>
-          <a:bodyPr/>
-          <a:lstStyle/>
-          <a:p>
-            <a:endParaRPr lang="en-US"/>
-          </a:p>
-        </p:txBody>
-      </p:sp>
-    </p:spTree>
-    <p:extLst>
-      <p:ext uri="{BB962C8B-B14F-4D97-AF65-F5344CB8AC3E}">
-        <p14:creationId xmlns:p14="http://schemas.microsoft.com/office/powerpoint/2010/main" val="3455180090"/>
-      </p:ext>
-    </p:extLst>
-  </p:cSld>
-  <p:clrMapOvr>
-    <a:masterClrMapping/>
-  </p:clrMapOvr>
-</p:sld>
-</file>
-
 <file path=ppt/slides/slide2.xml><?xml version="1.0" encoding="utf-8"?>
 <p:sld xmlns:a="http://schemas.openxmlformats.org/drawingml/2006/main" xmlns:r="http://schemas.openxmlformats.org/officeDocument/2006/relationships" xmlns:p="http://schemas.openxmlformats.org/presentationml/2006/main">
   <p:cSld>
@@ -6542,85 +6281,6 @@
           </a:p>
         </p:txBody>
       </p:sp>
-      <p:pic>
-        <p:nvPicPr>
-          <p:cNvPr id="10" name="Picture 9" descr="Text&#10;&#10;Description automatically generated with medium confidence">
-            <a:extLst>
-              <a:ext uri="{FF2B5EF4-FFF2-40B4-BE49-F238E27FC236}">
-                <a16:creationId xmlns:a16="http://schemas.microsoft.com/office/drawing/2014/main" id="{129A899A-38BB-470B-8861-542D82F8514B}"/>
-              </a:ext>
-            </a:extLst>
-          </p:cNvPr>
-          <p:cNvPicPr>
-            <a:picLocks noChangeAspect="1"/>
-          </p:cNvPicPr>
-          <p:nvPr/>
-        </p:nvPicPr>
-        <p:blipFill>
-          <a:blip r:embed="rId3">
-            <a:extLst>
-              <a:ext uri="{28A0092B-C50C-407E-A947-70E740481C1C}">
-                <a14:useLocalDpi xmlns:a14="http://schemas.microsoft.com/office/drawing/2010/main" val="0"/>
-              </a:ext>
-            </a:extLst>
-          </a:blip>
-          <a:stretch>
-            <a:fillRect/>
-          </a:stretch>
-        </p:blipFill>
-        <p:spPr>
-          <a:xfrm>
-            <a:off x="-435269" y="2721935"/>
-            <a:ext cx="2417069" cy="911354"/>
-          </a:xfrm>
-          <a:prstGeom prst="rect">
-            <a:avLst/>
-          </a:prstGeom>
-        </p:spPr>
-      </p:pic>
-      <p:cxnSp>
-        <p:nvCxnSpPr>
-          <p:cNvPr id="12" name="Straight Connector 11">
-            <a:extLst>
-              <a:ext uri="{FF2B5EF4-FFF2-40B4-BE49-F238E27FC236}">
-                <a16:creationId xmlns:a16="http://schemas.microsoft.com/office/drawing/2014/main" id="{76A481AE-CC55-44DE-93BD-BB982A16FB16}"/>
-              </a:ext>
-            </a:extLst>
-          </p:cNvPr>
-          <p:cNvCxnSpPr>
-            <a:cxnSpLocks/>
-          </p:cNvCxnSpPr>
-          <p:nvPr/>
-        </p:nvCxnSpPr>
-        <p:spPr>
-          <a:xfrm flipH="1">
-            <a:off x="1420283" y="3033183"/>
-            <a:ext cx="1104900" cy="0"/>
-          </a:xfrm>
-          <a:prstGeom prst="line">
-            <a:avLst/>
-          </a:prstGeom>
-          <a:ln w="9525">
-            <a:solidFill>
-              <a:srgbClr val="FF0000"/>
-            </a:solidFill>
-          </a:ln>
-        </p:spPr>
-        <p:style>
-          <a:lnRef idx="1">
-            <a:schemeClr val="accent1"/>
-          </a:lnRef>
-          <a:fillRef idx="0">
-            <a:schemeClr val="accent1"/>
-          </a:fillRef>
-          <a:effectRef idx="0">
-            <a:schemeClr val="accent1"/>
-          </a:effectRef>
-          <a:fontRef idx="minor">
-            <a:schemeClr val="tx1"/>
-          </a:fontRef>
-        </p:style>
-      </p:cxnSp>
     </p:spTree>
     <p:extLst>
       <p:ext uri="{BB962C8B-B14F-4D97-AF65-F5344CB8AC3E}">
@@ -7056,102 +6716,14 @@
                             </p:stCondLst>
                             <p:childTnLst>
                               <p:par>
-                                <p:cTn id="41" presetID="10" presetClass="entr" presetSubtype="0" fill="hold" nodeType="clickEffect">
-                                  <p:stCondLst>
-                                    <p:cond delay="0"/>
-                                  </p:stCondLst>
-                                  <p:childTnLst>
-                                    <p:set>
-                                      <p:cBhvr>
-                                        <p:cTn id="42" dur="1" fill="hold">
-                                          <p:stCondLst>
-                                            <p:cond delay="0"/>
-                                          </p:stCondLst>
-                                        </p:cTn>
-                                        <p:tgtEl>
-                                          <p:spTgt spid="12"/>
-                                        </p:tgtEl>
-                                        <p:attrNameLst>
-                                          <p:attrName>style.visibility</p:attrName>
-                                        </p:attrNameLst>
-                                      </p:cBhvr>
-                                      <p:to>
-                                        <p:strVal val="visible"/>
-                                      </p:to>
-                                    </p:set>
-                                    <p:animEffect transition="in" filter="fade">
-                                      <p:cBhvr>
-                                        <p:cTn id="43" dur="500"/>
-                                        <p:tgtEl>
-                                          <p:spTgt spid="12"/>
-                                        </p:tgtEl>
-                                      </p:cBhvr>
-                                    </p:animEffect>
-                                  </p:childTnLst>
-                                </p:cTn>
-                              </p:par>
-                              <p:par>
-                                <p:cTn id="44" presetID="10" presetClass="entr" presetSubtype="0" fill="hold" nodeType="withEffect">
-                                  <p:stCondLst>
-                                    <p:cond delay="0"/>
-                                  </p:stCondLst>
-                                  <p:childTnLst>
-                                    <p:set>
-                                      <p:cBhvr>
-                                        <p:cTn id="45" dur="1" fill="hold">
-                                          <p:stCondLst>
-                                            <p:cond delay="0"/>
-                                          </p:stCondLst>
-                                        </p:cTn>
-                                        <p:tgtEl>
-                                          <p:spTgt spid="10"/>
-                                        </p:tgtEl>
-                                        <p:attrNameLst>
-                                          <p:attrName>style.visibility</p:attrName>
-                                        </p:attrNameLst>
-                                      </p:cBhvr>
-                                      <p:to>
-                                        <p:strVal val="visible"/>
-                                      </p:to>
-                                    </p:set>
-                                    <p:animEffect transition="in" filter="fade">
-                                      <p:cBhvr>
-                                        <p:cTn id="46" dur="500"/>
-                                        <p:tgtEl>
-                                          <p:spTgt spid="10"/>
-                                        </p:tgtEl>
-                                      </p:cBhvr>
-                                    </p:animEffect>
-                                  </p:childTnLst>
-                                </p:cTn>
-                              </p:par>
-                            </p:childTnLst>
-                          </p:cTn>
-                        </p:par>
-                      </p:childTnLst>
-                    </p:cTn>
-                  </p:par>
-                  <p:par>
-                    <p:cTn id="47" fill="hold">
-                      <p:stCondLst>
-                        <p:cond delay="indefinite"/>
-                      </p:stCondLst>
-                      <p:childTnLst>
-                        <p:par>
-                          <p:cTn id="48" fill="hold">
-                            <p:stCondLst>
-                              <p:cond delay="0"/>
-                            </p:stCondLst>
-                            <p:childTnLst>
-                              <p:par>
-                                <p:cTn id="49" presetID="10" presetClass="exit" presetSubtype="0" fill="hold" grpId="0" nodeType="clickEffect">
+                                <p:cTn id="41" presetID="10" presetClass="exit" presetSubtype="0" fill="hold" grpId="0" nodeType="clickEffect">
                                   <p:stCondLst>
                                     <p:cond delay="0"/>
                                   </p:stCondLst>
                                   <p:childTnLst>
                                     <p:animEffect transition="out" filter="fade">
                                       <p:cBhvr>
-                                        <p:cTn id="50" dur="500"/>
+                                        <p:cTn id="42" dur="500"/>
                                         <p:tgtEl>
                                           <p:spTgt spid="64"/>
                                         </p:tgtEl>
@@ -7159,7 +6731,7 @@
                                     </p:animEffect>
                                     <p:set>
                                       <p:cBhvr>
-                                        <p:cTn id="51" dur="1" fill="hold">
+                                        <p:cTn id="43" dur="1" fill="hold">
                                           <p:stCondLst>
                                             <p:cond delay="499"/>
                                           </p:stCondLst>
@@ -7179,14 +6751,14 @@
                                 </p:cTn>
                               </p:par>
                               <p:par>
-                                <p:cTn id="52" presetID="10" presetClass="exit" presetSubtype="0" fill="hold" grpId="0" nodeType="withEffect">
+                                <p:cTn id="44" presetID="10" presetClass="exit" presetSubtype="0" fill="hold" grpId="0" nodeType="withEffect">
                                   <p:stCondLst>
                                     <p:cond delay="0"/>
                                   </p:stCondLst>
                                   <p:childTnLst>
                                     <p:animEffect transition="out" filter="fade">
                                       <p:cBhvr>
-                                        <p:cTn id="53" dur="500"/>
+                                        <p:cTn id="45" dur="500"/>
                                         <p:tgtEl>
                                           <p:spTgt spid="65"/>
                                         </p:tgtEl>
@@ -7194,7 +6766,7 @@
                                     </p:animEffect>
                                     <p:set>
                                       <p:cBhvr>
-                                        <p:cTn id="54" dur="1" fill="hold">
+                                        <p:cTn id="46" dur="1" fill="hold">
                                           <p:stCondLst>
                                             <p:cond delay="499"/>
                                           </p:stCondLst>
@@ -7214,14 +6786,14 @@
                                 </p:cTn>
                               </p:par>
                               <p:par>
-                                <p:cTn id="55" presetID="10" presetClass="exit" presetSubtype="0" fill="hold" grpId="0" nodeType="withEffect">
+                                <p:cTn id="47" presetID="10" presetClass="exit" presetSubtype="0" fill="hold" grpId="0" nodeType="withEffect">
                                   <p:stCondLst>
                                     <p:cond delay="0"/>
                                   </p:stCondLst>
                                   <p:childTnLst>
                                     <p:animEffect transition="out" filter="fade">
                                       <p:cBhvr>
-                                        <p:cTn id="56" dur="500"/>
+                                        <p:cTn id="48" dur="500"/>
                                         <p:tgtEl>
                                           <p:spTgt spid="56"/>
                                         </p:tgtEl>
@@ -7229,7 +6801,7 @@
                                     </p:animEffect>
                                     <p:set>
                                       <p:cBhvr>
-                                        <p:cTn id="57" dur="1" fill="hold">
+                                        <p:cTn id="49" dur="1" fill="hold">
                                           <p:stCondLst>
                                             <p:cond delay="499"/>
                                           </p:stCondLst>
@@ -7249,14 +6821,14 @@
                                 </p:cTn>
                               </p:par>
                               <p:par>
-                                <p:cTn id="58" presetID="10" presetClass="exit" presetSubtype="0" fill="hold" grpId="0" nodeType="withEffect">
+                                <p:cTn id="50" presetID="10" presetClass="exit" presetSubtype="0" fill="hold" grpId="0" nodeType="withEffect">
                                   <p:stCondLst>
                                     <p:cond delay="0"/>
                                   </p:stCondLst>
                                   <p:childTnLst>
                                     <p:animEffect transition="out" filter="fade">
                                       <p:cBhvr>
-                                        <p:cTn id="59" dur="500"/>
+                                        <p:cTn id="51" dur="500"/>
                                         <p:tgtEl>
                                           <p:spTgt spid="57"/>
                                         </p:tgtEl>
@@ -7264,7 +6836,7 @@
                                     </p:animEffect>
                                     <p:set>
                                       <p:cBhvr>
-                                        <p:cTn id="60" dur="1" fill="hold">
+                                        <p:cTn id="52" dur="1" fill="hold">
                                           <p:stCondLst>
                                             <p:cond delay="499"/>
                                           </p:stCondLst>
@@ -7284,14 +6856,14 @@
                                 </p:cTn>
                               </p:par>
                               <p:par>
-                                <p:cTn id="61" presetID="10" presetClass="exit" presetSubtype="0" fill="hold" grpId="0" nodeType="withEffect">
+                                <p:cTn id="53" presetID="10" presetClass="exit" presetSubtype="0" fill="hold" grpId="0" nodeType="withEffect">
                                   <p:stCondLst>
                                     <p:cond delay="0"/>
                                   </p:stCondLst>
                                   <p:childTnLst>
                                     <p:animEffect transition="out" filter="fade">
                                       <p:cBhvr>
-                                        <p:cTn id="62" dur="500"/>
+                                        <p:cTn id="54" dur="500"/>
                                         <p:tgtEl>
                                           <p:spTgt spid="55"/>
                                         </p:tgtEl>
@@ -7299,7 +6871,7 @@
                                     </p:animEffect>
                                     <p:set>
                                       <p:cBhvr>
-                                        <p:cTn id="63" dur="1" fill="hold">
+                                        <p:cTn id="55" dur="1" fill="hold">
                                           <p:stCondLst>
                                             <p:cond delay="499"/>
                                           </p:stCondLst>
@@ -7319,14 +6891,14 @@
                                 </p:cTn>
                               </p:par>
                               <p:par>
-                                <p:cTn id="64" presetID="10" presetClass="exit" presetSubtype="0" fill="hold" grpId="0" nodeType="withEffect">
+                                <p:cTn id="56" presetID="10" presetClass="exit" presetSubtype="0" fill="hold" grpId="0" nodeType="withEffect">
                                   <p:stCondLst>
                                     <p:cond delay="0"/>
                                   </p:stCondLst>
                                   <p:childTnLst>
                                     <p:animEffect transition="out" filter="fade">
                                       <p:cBhvr>
-                                        <p:cTn id="65" dur="500"/>
+                                        <p:cTn id="57" dur="500"/>
                                         <p:tgtEl>
                                           <p:spTgt spid="66"/>
                                         </p:tgtEl>
@@ -7334,7 +6906,7 @@
                                     </p:animEffect>
                                     <p:set>
                                       <p:cBhvr>
-                                        <p:cTn id="66" dur="1" fill="hold">
+                                        <p:cTn id="58" dur="1" fill="hold">
                                           <p:stCondLst>
                                             <p:cond delay="499"/>
                                           </p:stCondLst>
@@ -7360,26 +6932,26 @@
                     </p:cTn>
                   </p:par>
                   <p:par>
-                    <p:cTn id="67" fill="hold">
+                    <p:cTn id="59" fill="hold">
                       <p:stCondLst>
                         <p:cond delay="indefinite"/>
                       </p:stCondLst>
                       <p:childTnLst>
                         <p:par>
-                          <p:cTn id="68" fill="hold">
+                          <p:cTn id="60" fill="hold">
                             <p:stCondLst>
                               <p:cond delay="0"/>
                             </p:stCondLst>
                             <p:childTnLst>
                               <p:par>
-                                <p:cTn id="69" presetID="10" presetClass="exit" presetSubtype="0" fill="hold" grpId="0" nodeType="clickEffect">
+                                <p:cTn id="61" presetID="10" presetClass="exit" presetSubtype="0" fill="hold" grpId="0" nodeType="clickEffect">
                                   <p:stCondLst>
                                     <p:cond delay="0"/>
                                   </p:stCondLst>
                                   <p:childTnLst>
                                     <p:animEffect transition="out" filter="fade">
                                       <p:cBhvr>
-                                        <p:cTn id="70" dur="500"/>
+                                        <p:cTn id="62" dur="500"/>
                                         <p:tgtEl>
                                           <p:spTgt spid="67"/>
                                         </p:tgtEl>
@@ -7387,7 +6959,7 @@
                                     </p:animEffect>
                                     <p:set>
                                       <p:cBhvr>
-                                        <p:cTn id="71" dur="1" fill="hold">
+                                        <p:cTn id="63" dur="1" fill="hold">
                                           <p:stCondLst>
                                             <p:cond delay="499"/>
                                           </p:stCondLst>
@@ -7407,14 +6979,14 @@
                                 </p:cTn>
                               </p:par>
                               <p:par>
-                                <p:cTn id="72" presetID="10" presetClass="exit" presetSubtype="0" fill="hold" grpId="0" nodeType="withEffect">
+                                <p:cTn id="64" presetID="10" presetClass="exit" presetSubtype="0" fill="hold" grpId="0" nodeType="withEffect">
                                   <p:stCondLst>
                                     <p:cond delay="0"/>
                                   </p:stCondLst>
                                   <p:childTnLst>
                                     <p:animEffect transition="out" filter="fade">
                                       <p:cBhvr>
-                                        <p:cTn id="73" dur="500"/>
+                                        <p:cTn id="65" dur="500"/>
                                         <p:tgtEl>
                                           <p:spTgt spid="68"/>
                                         </p:tgtEl>
@@ -7422,7 +6994,7 @@
                                     </p:animEffect>
                                     <p:set>
                                       <p:cBhvr>
-                                        <p:cTn id="74" dur="1" fill="hold">
+                                        <p:cTn id="66" dur="1" fill="hold">
                                           <p:stCondLst>
                                             <p:cond delay="499"/>
                                           </p:stCondLst>
@@ -7442,7 +7014,95 @@
                                 </p:cTn>
                               </p:par>
                               <p:par>
-                                <p:cTn id="75" presetID="10" presetClass="exit" presetSubtype="0" fill="hold" grpId="0" nodeType="withEffect">
+                                <p:cTn id="67" presetID="10" presetClass="exit" presetSubtype="0" fill="hold" grpId="0" nodeType="withEffect">
+                                  <p:stCondLst>
+                                    <p:cond delay="0"/>
+                                  </p:stCondLst>
+                                  <p:childTnLst>
+                                    <p:animEffect transition="out" filter="fade">
+                                      <p:cBhvr>
+                                        <p:cTn id="68" dur="500"/>
+                                        <p:tgtEl>
+                                          <p:spTgt spid="69"/>
+                                        </p:tgtEl>
+                                      </p:cBhvr>
+                                    </p:animEffect>
+                                    <p:set>
+                                      <p:cBhvr>
+                                        <p:cTn id="69" dur="1" fill="hold">
+                                          <p:stCondLst>
+                                            <p:cond delay="499"/>
+                                          </p:stCondLst>
+                                        </p:cTn>
+                                        <p:tgtEl>
+                                          <p:spTgt spid="69"/>
+                                        </p:tgtEl>
+                                        <p:attrNameLst>
+                                          <p:attrName>style.visibility</p:attrName>
+                                        </p:attrNameLst>
+                                      </p:cBhvr>
+                                      <p:to>
+                                        <p:strVal val="hidden"/>
+                                      </p:to>
+                                    </p:set>
+                                  </p:childTnLst>
+                                </p:cTn>
+                              </p:par>
+                              <p:par>
+                                <p:cTn id="70" presetID="10" presetClass="exit" presetSubtype="0" fill="hold" grpId="0" nodeType="withEffect">
+                                  <p:stCondLst>
+                                    <p:cond delay="0"/>
+                                  </p:stCondLst>
+                                  <p:childTnLst>
+                                    <p:animEffect transition="out" filter="fade">
+                                      <p:cBhvr>
+                                        <p:cTn id="71" dur="500"/>
+                                        <p:tgtEl>
+                                          <p:spTgt spid="70"/>
+                                        </p:tgtEl>
+                                      </p:cBhvr>
+                                    </p:animEffect>
+                                    <p:set>
+                                      <p:cBhvr>
+                                        <p:cTn id="72" dur="1" fill="hold">
+                                          <p:stCondLst>
+                                            <p:cond delay="499"/>
+                                          </p:stCondLst>
+                                        </p:cTn>
+                                        <p:tgtEl>
+                                          <p:spTgt spid="70"/>
+                                        </p:tgtEl>
+                                        <p:attrNameLst>
+                                          <p:attrName>style.visibility</p:attrName>
+                                        </p:attrNameLst>
+                                      </p:cBhvr>
+                                      <p:to>
+                                        <p:strVal val="hidden"/>
+                                      </p:to>
+                                    </p:set>
+                                  </p:childTnLst>
+                                </p:cTn>
+                              </p:par>
+                            </p:childTnLst>
+                          </p:cTn>
+                        </p:par>
+                      </p:childTnLst>
+                    </p:cTn>
+                  </p:par>
+                  <p:par>
+                    <p:cTn id="73" fill="hold">
+                      <p:stCondLst>
+                        <p:cond delay="indefinite"/>
+                      </p:stCondLst>
+                      <p:childTnLst>
+                        <p:par>
+                          <p:cTn id="74" fill="hold">
+                            <p:stCondLst>
+                              <p:cond delay="0"/>
+                            </p:stCondLst>
+                            <p:childTnLst>
+                              <p:par>
+                                <p:cTn id="75" presetID="10" presetClass="exit" presetSubtype="0" fill="hold" grpId="0" nodeType="clickEffect">
                                   <p:stCondLst>
                                     <p:cond delay="0"/>
                                   </p:stCondLst>
@@ -7451,7 +7111,7 @@
                                       <p:cBhvr>
                                         <p:cTn id="76" dur="500"/>
                                         <p:tgtEl>
-                                          <p:spTgt spid="69"/>
+                                          <p:spTgt spid="71"/>
                                         </p:tgtEl>
                                       </p:cBhvr>
                                     </p:animEffect>
@@ -7463,7 +7123,7 @@
                                           </p:stCondLst>
                                         </p:cTn>
                                         <p:tgtEl>
-                                          <p:spTgt spid="69"/>
+                                          <p:spTgt spid="71"/>
                                         </p:tgtEl>
                                         <p:attrNameLst>
                                           <p:attrName>style.visibility</p:attrName>
@@ -7486,7 +7146,7 @@
                                       <p:cBhvr>
                                         <p:cTn id="79" dur="500"/>
                                         <p:tgtEl>
-                                          <p:spTgt spid="70"/>
+                                          <p:spTgt spid="72"/>
                                         </p:tgtEl>
                                       </p:cBhvr>
                                     </p:animEffect>
@@ -7498,7 +7158,7 @@
                                           </p:stCondLst>
                                         </p:cTn>
                                         <p:tgtEl>
-                                          <p:spTgt spid="70"/>
+                                          <p:spTgt spid="72"/>
                                         </p:tgtEl>
                                         <p:attrNameLst>
                                           <p:attrName>style.visibility</p:attrName>
@@ -7539,7 +7199,7 @@
                                       <p:cBhvr>
                                         <p:cTn id="84" dur="500"/>
                                         <p:tgtEl>
-                                          <p:spTgt spid="71"/>
+                                          <p:spTgt spid="75"/>
                                         </p:tgtEl>
                                       </p:cBhvr>
                                     </p:animEffect>
@@ -7551,7 +7211,7 @@
                                           </p:stCondLst>
                                         </p:cTn>
                                         <p:tgtEl>
-                                          <p:spTgt spid="71"/>
+                                          <p:spTgt spid="75"/>
                                         </p:tgtEl>
                                         <p:attrNameLst>
                                           <p:attrName>style.visibility</p:attrName>
@@ -7574,101 +7234,13 @@
                                       <p:cBhvr>
                                         <p:cTn id="87" dur="500"/>
                                         <p:tgtEl>
-                                          <p:spTgt spid="72"/>
+                                          <p:spTgt spid="74"/>
                                         </p:tgtEl>
                                       </p:cBhvr>
                                     </p:animEffect>
                                     <p:set>
                                       <p:cBhvr>
                                         <p:cTn id="88" dur="1" fill="hold">
-                                          <p:stCondLst>
-                                            <p:cond delay="499"/>
-                                          </p:stCondLst>
-                                        </p:cTn>
-                                        <p:tgtEl>
-                                          <p:spTgt spid="72"/>
-                                        </p:tgtEl>
-                                        <p:attrNameLst>
-                                          <p:attrName>style.visibility</p:attrName>
-                                        </p:attrNameLst>
-                                      </p:cBhvr>
-                                      <p:to>
-                                        <p:strVal val="hidden"/>
-                                      </p:to>
-                                    </p:set>
-                                  </p:childTnLst>
-                                </p:cTn>
-                              </p:par>
-                            </p:childTnLst>
-                          </p:cTn>
-                        </p:par>
-                      </p:childTnLst>
-                    </p:cTn>
-                  </p:par>
-                  <p:par>
-                    <p:cTn id="89" fill="hold">
-                      <p:stCondLst>
-                        <p:cond delay="indefinite"/>
-                      </p:stCondLst>
-                      <p:childTnLst>
-                        <p:par>
-                          <p:cTn id="90" fill="hold">
-                            <p:stCondLst>
-                              <p:cond delay="0"/>
-                            </p:stCondLst>
-                            <p:childTnLst>
-                              <p:par>
-                                <p:cTn id="91" presetID="10" presetClass="exit" presetSubtype="0" fill="hold" grpId="0" nodeType="clickEffect">
-                                  <p:stCondLst>
-                                    <p:cond delay="0"/>
-                                  </p:stCondLst>
-                                  <p:childTnLst>
-                                    <p:animEffect transition="out" filter="fade">
-                                      <p:cBhvr>
-                                        <p:cTn id="92" dur="500"/>
-                                        <p:tgtEl>
-                                          <p:spTgt spid="75"/>
-                                        </p:tgtEl>
-                                      </p:cBhvr>
-                                    </p:animEffect>
-                                    <p:set>
-                                      <p:cBhvr>
-                                        <p:cTn id="93" dur="1" fill="hold">
-                                          <p:stCondLst>
-                                            <p:cond delay="499"/>
-                                          </p:stCondLst>
-                                        </p:cTn>
-                                        <p:tgtEl>
-                                          <p:spTgt spid="75"/>
-                                        </p:tgtEl>
-                                        <p:attrNameLst>
-                                          <p:attrName>style.visibility</p:attrName>
-                                        </p:attrNameLst>
-                                      </p:cBhvr>
-                                      <p:to>
-                                        <p:strVal val="hidden"/>
-                                      </p:to>
-                                    </p:set>
-                                  </p:childTnLst>
-                                </p:cTn>
-                              </p:par>
-                              <p:par>
-                                <p:cTn id="94" presetID="10" presetClass="exit" presetSubtype="0" fill="hold" grpId="0" nodeType="withEffect">
-                                  <p:stCondLst>
-                                    <p:cond delay="0"/>
-                                  </p:stCondLst>
-                                  <p:childTnLst>
-                                    <p:animEffect transition="out" filter="fade">
-                                      <p:cBhvr>
-                                        <p:cTn id="95" dur="500"/>
-                                        <p:tgtEl>
-                                          <p:spTgt spid="74"/>
-                                        </p:tgtEl>
-                                      </p:cBhvr>
-                                    </p:animEffect>
-                                    <p:set>
-                                      <p:cBhvr>
-                                        <p:cTn id="96" dur="1" fill="hold">
                                           <p:stCondLst>
                                             <p:cond delay="499"/>
                                           </p:stCondLst>
@@ -7688,14 +7260,14 @@
                                 </p:cTn>
                               </p:par>
                               <p:par>
-                                <p:cTn id="97" presetID="10" presetClass="exit" presetSubtype="0" fill="hold" grpId="0" nodeType="withEffect">
+                                <p:cTn id="89" presetID="10" presetClass="exit" presetSubtype="0" fill="hold" grpId="0" nodeType="withEffect">
                                   <p:stCondLst>
                                     <p:cond delay="0"/>
                                   </p:stCondLst>
                                   <p:childTnLst>
                                     <p:animEffect transition="out" filter="fade">
                                       <p:cBhvr>
-                                        <p:cTn id="98" dur="500"/>
+                                        <p:cTn id="90" dur="500"/>
                                         <p:tgtEl>
                                           <p:spTgt spid="76"/>
                                         </p:tgtEl>
@@ -7703,7 +7275,7 @@
                                     </p:animEffect>
                                     <p:set>
                                       <p:cBhvr>
-                                        <p:cTn id="99" dur="1" fill="hold">
+                                        <p:cTn id="91" dur="1" fill="hold">
                                           <p:stCondLst>
                                             <p:cond delay="499"/>
                                           </p:stCondLst>
@@ -7723,14 +7295,14 @@
                                 </p:cTn>
                               </p:par>
                               <p:par>
-                                <p:cTn id="100" presetID="10" presetClass="exit" presetSubtype="0" fill="hold" grpId="0" nodeType="withEffect">
+                                <p:cTn id="92" presetID="10" presetClass="exit" presetSubtype="0" fill="hold" grpId="0" nodeType="withEffect">
                                   <p:stCondLst>
                                     <p:cond delay="0"/>
                                   </p:stCondLst>
                                   <p:childTnLst>
                                     <p:animEffect transition="out" filter="fade">
                                       <p:cBhvr>
-                                        <p:cTn id="101" dur="500"/>
+                                        <p:cTn id="93" dur="500"/>
                                         <p:tgtEl>
                                           <p:spTgt spid="77"/>
                                         </p:tgtEl>
@@ -7738,7 +7310,7 @@
                                     </p:animEffect>
                                     <p:set>
                                       <p:cBhvr>
-                                        <p:cTn id="102" dur="1" fill="hold">
+                                        <p:cTn id="94" dur="1" fill="hold">
                                           <p:stCondLst>
                                             <p:cond delay="499"/>
                                           </p:stCondLst>
@@ -7758,14 +7330,14 @@
                                 </p:cTn>
                               </p:par>
                               <p:par>
-                                <p:cTn id="103" presetID="10" presetClass="exit" presetSubtype="0" fill="hold" grpId="0" nodeType="withEffect">
+                                <p:cTn id="95" presetID="10" presetClass="exit" presetSubtype="0" fill="hold" grpId="0" nodeType="withEffect">
                                   <p:stCondLst>
                                     <p:cond delay="0"/>
                                   </p:stCondLst>
                                   <p:childTnLst>
                                     <p:animEffect transition="out" filter="fade">
                                       <p:cBhvr>
-                                        <p:cTn id="104" dur="500"/>
+                                        <p:cTn id="96" dur="500"/>
                                         <p:tgtEl>
                                           <p:spTgt spid="78"/>
                                         </p:tgtEl>
@@ -7773,7 +7345,7 @@
                                     </p:animEffect>
                                     <p:set>
                                       <p:cBhvr>
-                                        <p:cTn id="105" dur="1" fill="hold">
+                                        <p:cTn id="97" dur="1" fill="hold">
                                           <p:stCondLst>
                                             <p:cond delay="499"/>
                                           </p:stCondLst>
@@ -7793,14 +7365,14 @@
                                 </p:cTn>
                               </p:par>
                               <p:par>
-                                <p:cTn id="106" presetID="10" presetClass="exit" presetSubtype="0" fill="hold" grpId="0" nodeType="withEffect">
+                                <p:cTn id="98" presetID="10" presetClass="exit" presetSubtype="0" fill="hold" grpId="0" nodeType="withEffect">
                                   <p:stCondLst>
                                     <p:cond delay="0"/>
                                   </p:stCondLst>
                                   <p:childTnLst>
                                     <p:animEffect transition="out" filter="fade">
                                       <p:cBhvr>
-                                        <p:cTn id="107" dur="500"/>
+                                        <p:cTn id="99" dur="500"/>
                                         <p:tgtEl>
                                           <p:spTgt spid="79"/>
                                         </p:tgtEl>
@@ -7808,7 +7380,7 @@
                                     </p:animEffect>
                                     <p:set>
                                       <p:cBhvr>
-                                        <p:cTn id="108" dur="1" fill="hold">
+                                        <p:cTn id="100" dur="1" fill="hold">
                                           <p:stCondLst>
                                             <p:cond delay="499"/>
                                           </p:stCondLst>
@@ -7828,14 +7400,14 @@
                                 </p:cTn>
                               </p:par>
                               <p:par>
-                                <p:cTn id="109" presetID="10" presetClass="exit" presetSubtype="0" fill="hold" grpId="0" nodeType="withEffect">
+                                <p:cTn id="101" presetID="10" presetClass="exit" presetSubtype="0" fill="hold" grpId="0" nodeType="withEffect">
                                   <p:stCondLst>
                                     <p:cond delay="0"/>
                                   </p:stCondLst>
                                   <p:childTnLst>
                                     <p:animEffect transition="out" filter="fade">
                                       <p:cBhvr>
-                                        <p:cTn id="110" dur="500"/>
+                                        <p:cTn id="102" dur="500"/>
                                         <p:tgtEl>
                                           <p:spTgt spid="80"/>
                                         </p:tgtEl>
@@ -7843,7 +7415,7 @@
                                     </p:animEffect>
                                     <p:set>
                                       <p:cBhvr>
-                                        <p:cTn id="111" dur="1" fill="hold">
+                                        <p:cTn id="103" dur="1" fill="hold">
                                           <p:stCondLst>
                                             <p:cond delay="499"/>
                                           </p:stCondLst>
@@ -7863,14 +7435,14 @@
                                 </p:cTn>
                               </p:par>
                               <p:par>
-                                <p:cTn id="112" presetID="10" presetClass="exit" presetSubtype="0" fill="hold" grpId="0" nodeType="withEffect">
+                                <p:cTn id="104" presetID="10" presetClass="exit" presetSubtype="0" fill="hold" grpId="0" nodeType="withEffect">
                                   <p:stCondLst>
                                     <p:cond delay="0"/>
                                   </p:stCondLst>
                                   <p:childTnLst>
                                     <p:animEffect transition="out" filter="fade">
                                       <p:cBhvr>
-                                        <p:cTn id="113" dur="500"/>
+                                        <p:cTn id="105" dur="500"/>
                                         <p:tgtEl>
                                           <p:spTgt spid="81"/>
                                         </p:tgtEl>
@@ -7878,7 +7450,7 @@
                                     </p:animEffect>
                                     <p:set>
                                       <p:cBhvr>
-                                        <p:cTn id="114" dur="1" fill="hold">
+                                        <p:cTn id="106" dur="1" fill="hold">
                                           <p:stCondLst>
                                             <p:cond delay="499"/>
                                           </p:stCondLst>
@@ -7898,14 +7470,14 @@
                                 </p:cTn>
                               </p:par>
                               <p:par>
-                                <p:cTn id="115" presetID="10" presetClass="exit" presetSubtype="0" fill="hold" grpId="0" nodeType="withEffect">
+                                <p:cTn id="107" presetID="10" presetClass="exit" presetSubtype="0" fill="hold" grpId="0" nodeType="withEffect">
                                   <p:stCondLst>
                                     <p:cond delay="0"/>
                                   </p:stCondLst>
                                   <p:childTnLst>
                                     <p:animEffect transition="out" filter="fade">
                                       <p:cBhvr>
-                                        <p:cTn id="116" dur="500"/>
+                                        <p:cTn id="108" dur="500"/>
                                         <p:tgtEl>
                                           <p:spTgt spid="82"/>
                                         </p:tgtEl>
@@ -7913,7 +7485,7 @@
                                     </p:animEffect>
                                     <p:set>
                                       <p:cBhvr>
-                                        <p:cTn id="117" dur="1" fill="hold">
+                                        <p:cTn id="109" dur="1" fill="hold">
                                           <p:stCondLst>
                                             <p:cond delay="499"/>
                                           </p:stCondLst>
@@ -7933,14 +7505,14 @@
                                 </p:cTn>
                               </p:par>
                               <p:par>
-                                <p:cTn id="118" presetID="10" presetClass="exit" presetSubtype="0" fill="hold" grpId="0" nodeType="withEffect">
+                                <p:cTn id="110" presetID="10" presetClass="exit" presetSubtype="0" fill="hold" grpId="0" nodeType="withEffect">
                                   <p:stCondLst>
                                     <p:cond delay="0"/>
                                   </p:stCondLst>
                                   <p:childTnLst>
                                     <p:animEffect transition="out" filter="fade">
                                       <p:cBhvr>
-                                        <p:cTn id="119" dur="500"/>
+                                        <p:cTn id="111" dur="500"/>
                                         <p:tgtEl>
                                           <p:spTgt spid="99"/>
                                         </p:tgtEl>
@@ -7948,7 +7520,7 @@
                                     </p:animEffect>
                                     <p:set>
                                       <p:cBhvr>
-                                        <p:cTn id="120" dur="1" fill="hold">
+                                        <p:cTn id="112" dur="1" fill="hold">
                                           <p:stCondLst>
                                             <p:cond delay="499"/>
                                           </p:stCondLst>
@@ -7968,14 +7540,14 @@
                                 </p:cTn>
                               </p:par>
                               <p:par>
-                                <p:cTn id="121" presetID="10" presetClass="exit" presetSubtype="0" fill="hold" grpId="0" nodeType="withEffect">
+                                <p:cTn id="113" presetID="10" presetClass="exit" presetSubtype="0" fill="hold" grpId="0" nodeType="withEffect">
                                   <p:stCondLst>
                                     <p:cond delay="0"/>
                                   </p:stCondLst>
                                   <p:childTnLst>
                                     <p:animEffect transition="out" filter="fade">
                                       <p:cBhvr>
-                                        <p:cTn id="122" dur="500"/>
+                                        <p:cTn id="114" dur="500"/>
                                         <p:tgtEl>
                                           <p:spTgt spid="100"/>
                                         </p:tgtEl>
@@ -7983,7 +7555,7 @@
                                     </p:animEffect>
                                     <p:set>
                                       <p:cBhvr>
-                                        <p:cTn id="123" dur="1" fill="hold">
+                                        <p:cTn id="115" dur="1" fill="hold">
                                           <p:stCondLst>
                                             <p:cond delay="499"/>
                                           </p:stCondLst>
@@ -8065,633 +7637,6 @@
       <p:bldP spid="100" grpId="0" animBg="1"/>
     </p:bldLst>
   </p:timing>
-</p:sld>
-</file>
-
-<file path=ppt/slides/slide3.xml><?xml version="1.0" encoding="utf-8"?>
-<p:sld xmlns:a="http://schemas.openxmlformats.org/drawingml/2006/main" xmlns:r="http://schemas.openxmlformats.org/officeDocument/2006/relationships" xmlns:p="http://schemas.openxmlformats.org/presentationml/2006/main">
-  <p:cSld>
-    <p:spTree>
-      <p:nvGrpSpPr>
-        <p:cNvPr id="1" name=""/>
-        <p:cNvGrpSpPr/>
-        <p:nvPr/>
-      </p:nvGrpSpPr>
-      <p:grpSpPr>
-        <a:xfrm>
-          <a:off x="0" y="0"/>
-          <a:ext cx="0" cy="0"/>
-          <a:chOff x="0" y="0"/>
-          <a:chExt cx="0" cy="0"/>
-        </a:xfrm>
-      </p:grpSpPr>
-      <p:sp>
-        <p:nvSpPr>
-          <p:cNvPr id="2" name="Title 1">
-            <a:extLst>
-              <a:ext uri="{FF2B5EF4-FFF2-40B4-BE49-F238E27FC236}">
-                <a16:creationId xmlns:a16="http://schemas.microsoft.com/office/drawing/2014/main" id="{C0485156-E6D3-CBCD-C312-4FBE8DCE5D84}"/>
-              </a:ext>
-            </a:extLst>
-          </p:cNvPr>
-          <p:cNvSpPr>
-            <a:spLocks noGrp="1"/>
-          </p:cNvSpPr>
-          <p:nvPr>
-            <p:ph type="title"/>
-          </p:nvPr>
-        </p:nvSpPr>
-        <p:spPr/>
-        <p:txBody>
-          <a:bodyPr/>
-          <a:lstStyle/>
-          <a:p>
-            <a:r>
-              <a:rPr lang="en-US" dirty="0" err="1"/>
-              <a:t>FastQC</a:t>
-            </a:r>
-            <a:r>
-              <a:rPr lang="en-US" dirty="0"/>
-              <a:t> and </a:t>
-            </a:r>
-            <a:r>
-              <a:rPr lang="en-US" dirty="0" err="1"/>
-              <a:t>MultiQC</a:t>
-            </a:r>
-            <a:r>
-              <a:rPr lang="en-US" dirty="0"/>
-              <a:t> Explained</a:t>
-            </a:r>
-          </a:p>
-        </p:txBody>
-      </p:sp>
-      <p:sp>
-        <p:nvSpPr>
-          <p:cNvPr id="3" name="Content Placeholder 2">
-            <a:extLst>
-              <a:ext uri="{FF2B5EF4-FFF2-40B4-BE49-F238E27FC236}">
-                <a16:creationId xmlns:a16="http://schemas.microsoft.com/office/drawing/2014/main" id="{9898AC89-E8AC-23DA-688A-AAF173E49355}"/>
-              </a:ext>
-            </a:extLst>
-          </p:cNvPr>
-          <p:cNvSpPr>
-            <a:spLocks noGrp="1"/>
-          </p:cNvSpPr>
-          <p:nvPr>
-            <p:ph idx="1"/>
-          </p:nvPr>
-        </p:nvSpPr>
-        <p:spPr/>
-        <p:txBody>
-          <a:bodyPr/>
-          <a:lstStyle/>
-          <a:p>
-            <a:endParaRPr lang="en-US"/>
-          </a:p>
-        </p:txBody>
-      </p:sp>
-    </p:spTree>
-    <p:extLst>
-      <p:ext uri="{BB962C8B-B14F-4D97-AF65-F5344CB8AC3E}">
-        <p14:creationId xmlns:p14="http://schemas.microsoft.com/office/powerpoint/2010/main" val="173606257"/>
-      </p:ext>
-    </p:extLst>
-  </p:cSld>
-  <p:clrMapOvr>
-    <a:masterClrMapping/>
-  </p:clrMapOvr>
-</p:sld>
-</file>
-
-<file path=ppt/slides/slide4.xml><?xml version="1.0" encoding="utf-8"?>
-<p:sld xmlns:a="http://schemas.openxmlformats.org/drawingml/2006/main" xmlns:r="http://schemas.openxmlformats.org/officeDocument/2006/relationships" xmlns:p="http://schemas.openxmlformats.org/presentationml/2006/main">
-  <p:cSld>
-    <p:spTree>
-      <p:nvGrpSpPr>
-        <p:cNvPr id="1" name=""/>
-        <p:cNvGrpSpPr/>
-        <p:nvPr/>
-      </p:nvGrpSpPr>
-      <p:grpSpPr>
-        <a:xfrm>
-          <a:off x="0" y="0"/>
-          <a:ext cx="0" cy="0"/>
-          <a:chOff x="0" y="0"/>
-          <a:chExt cx="0" cy="0"/>
-        </a:xfrm>
-      </p:grpSpPr>
-      <p:sp>
-        <p:nvSpPr>
-          <p:cNvPr id="2" name="Title 1">
-            <a:extLst>
-              <a:ext uri="{FF2B5EF4-FFF2-40B4-BE49-F238E27FC236}">
-                <a16:creationId xmlns:a16="http://schemas.microsoft.com/office/drawing/2014/main" id="{C0485156-E6D3-CBCD-C312-4FBE8DCE5D84}"/>
-              </a:ext>
-            </a:extLst>
-          </p:cNvPr>
-          <p:cNvSpPr>
-            <a:spLocks noGrp="1"/>
-          </p:cNvSpPr>
-          <p:nvPr>
-            <p:ph type="title"/>
-          </p:nvPr>
-        </p:nvSpPr>
-        <p:spPr/>
-        <p:txBody>
-          <a:bodyPr/>
-          <a:lstStyle/>
-          <a:p>
-            <a:r>
-              <a:rPr lang="en-US" dirty="0"/>
-              <a:t>Example </a:t>
-            </a:r>
-            <a:r>
-              <a:rPr lang="en-US" dirty="0" err="1"/>
-              <a:t>FastQC</a:t>
-            </a:r>
-            <a:r>
-              <a:rPr lang="en-US" dirty="0"/>
-              <a:t> Results Viewed in </a:t>
-            </a:r>
-            <a:r>
-              <a:rPr lang="en-US" dirty="0" err="1"/>
-              <a:t>FastQC</a:t>
-            </a:r>
-            <a:endParaRPr lang="en-US" dirty="0"/>
-          </a:p>
-        </p:txBody>
-      </p:sp>
-      <p:sp>
-        <p:nvSpPr>
-          <p:cNvPr id="3" name="Content Placeholder 2">
-            <a:extLst>
-              <a:ext uri="{FF2B5EF4-FFF2-40B4-BE49-F238E27FC236}">
-                <a16:creationId xmlns:a16="http://schemas.microsoft.com/office/drawing/2014/main" id="{9898AC89-E8AC-23DA-688A-AAF173E49355}"/>
-              </a:ext>
-            </a:extLst>
-          </p:cNvPr>
-          <p:cNvSpPr>
-            <a:spLocks noGrp="1"/>
-          </p:cNvSpPr>
-          <p:nvPr>
-            <p:ph idx="1"/>
-          </p:nvPr>
-        </p:nvSpPr>
-        <p:spPr/>
-        <p:txBody>
-          <a:bodyPr/>
-          <a:lstStyle/>
-          <a:p>
-            <a:endParaRPr lang="en-US"/>
-          </a:p>
-        </p:txBody>
-      </p:sp>
-    </p:spTree>
-    <p:extLst>
-      <p:ext uri="{BB962C8B-B14F-4D97-AF65-F5344CB8AC3E}">
-        <p14:creationId xmlns:p14="http://schemas.microsoft.com/office/powerpoint/2010/main" val="3154055796"/>
-      </p:ext>
-    </p:extLst>
-  </p:cSld>
-  <p:clrMapOvr>
-    <a:masterClrMapping/>
-  </p:clrMapOvr>
-</p:sld>
-</file>
-
-<file path=ppt/slides/slide5.xml><?xml version="1.0" encoding="utf-8"?>
-<p:sld xmlns:a="http://schemas.openxmlformats.org/drawingml/2006/main" xmlns:r="http://schemas.openxmlformats.org/officeDocument/2006/relationships" xmlns:p="http://schemas.openxmlformats.org/presentationml/2006/main">
-  <p:cSld>
-    <p:spTree>
-      <p:nvGrpSpPr>
-        <p:cNvPr id="1" name=""/>
-        <p:cNvGrpSpPr/>
-        <p:nvPr/>
-      </p:nvGrpSpPr>
-      <p:grpSpPr>
-        <a:xfrm>
-          <a:off x="0" y="0"/>
-          <a:ext cx="0" cy="0"/>
-          <a:chOff x="0" y="0"/>
-          <a:chExt cx="0" cy="0"/>
-        </a:xfrm>
-      </p:grpSpPr>
-      <p:sp>
-        <p:nvSpPr>
-          <p:cNvPr id="2" name="Title 1">
-            <a:extLst>
-              <a:ext uri="{FF2B5EF4-FFF2-40B4-BE49-F238E27FC236}">
-                <a16:creationId xmlns:a16="http://schemas.microsoft.com/office/drawing/2014/main" id="{C0485156-E6D3-CBCD-C312-4FBE8DCE5D84}"/>
-              </a:ext>
-            </a:extLst>
-          </p:cNvPr>
-          <p:cNvSpPr>
-            <a:spLocks noGrp="1"/>
-          </p:cNvSpPr>
-          <p:nvPr>
-            <p:ph type="title"/>
-          </p:nvPr>
-        </p:nvSpPr>
-        <p:spPr/>
-        <p:txBody>
-          <a:bodyPr/>
-          <a:lstStyle/>
-          <a:p>
-            <a:r>
-              <a:rPr lang="en-US" dirty="0" err="1"/>
-              <a:t>Trimmomatic</a:t>
-            </a:r>
-            <a:r>
-              <a:rPr lang="en-US" dirty="0"/>
-              <a:t> Explained</a:t>
-            </a:r>
-          </a:p>
-        </p:txBody>
-      </p:sp>
-      <p:sp>
-        <p:nvSpPr>
-          <p:cNvPr id="3" name="Content Placeholder 2">
-            <a:extLst>
-              <a:ext uri="{FF2B5EF4-FFF2-40B4-BE49-F238E27FC236}">
-                <a16:creationId xmlns:a16="http://schemas.microsoft.com/office/drawing/2014/main" id="{9898AC89-E8AC-23DA-688A-AAF173E49355}"/>
-              </a:ext>
-            </a:extLst>
-          </p:cNvPr>
-          <p:cNvSpPr>
-            <a:spLocks noGrp="1"/>
-          </p:cNvSpPr>
-          <p:nvPr>
-            <p:ph idx="1"/>
-          </p:nvPr>
-        </p:nvSpPr>
-        <p:spPr/>
-        <p:txBody>
-          <a:bodyPr/>
-          <a:lstStyle/>
-          <a:p>
-            <a:endParaRPr lang="en-US"/>
-          </a:p>
-        </p:txBody>
-      </p:sp>
-    </p:spTree>
-    <p:extLst>
-      <p:ext uri="{BB962C8B-B14F-4D97-AF65-F5344CB8AC3E}">
-        <p14:creationId xmlns:p14="http://schemas.microsoft.com/office/powerpoint/2010/main" val="2658941585"/>
-      </p:ext>
-    </p:extLst>
-  </p:cSld>
-  <p:clrMapOvr>
-    <a:masterClrMapping/>
-  </p:clrMapOvr>
-</p:sld>
-</file>
-
-<file path=ppt/slides/slide6.xml><?xml version="1.0" encoding="utf-8"?>
-<p:sld xmlns:a="http://schemas.openxmlformats.org/drawingml/2006/main" xmlns:r="http://schemas.openxmlformats.org/officeDocument/2006/relationships" xmlns:p="http://schemas.openxmlformats.org/presentationml/2006/main">
-  <p:cSld>
-    <p:spTree>
-      <p:nvGrpSpPr>
-        <p:cNvPr id="1" name=""/>
-        <p:cNvGrpSpPr/>
-        <p:nvPr/>
-      </p:nvGrpSpPr>
-      <p:grpSpPr>
-        <a:xfrm>
-          <a:off x="0" y="0"/>
-          <a:ext cx="0" cy="0"/>
-          <a:chOff x="0" y="0"/>
-          <a:chExt cx="0" cy="0"/>
-        </a:xfrm>
-      </p:grpSpPr>
-      <p:sp>
-        <p:nvSpPr>
-          <p:cNvPr id="2" name="Title 1">
-            <a:extLst>
-              <a:ext uri="{FF2B5EF4-FFF2-40B4-BE49-F238E27FC236}">
-                <a16:creationId xmlns:a16="http://schemas.microsoft.com/office/drawing/2014/main" id="{C0485156-E6D3-CBCD-C312-4FBE8DCE5D84}"/>
-              </a:ext>
-            </a:extLst>
-          </p:cNvPr>
-          <p:cNvSpPr>
-            <a:spLocks noGrp="1"/>
-          </p:cNvSpPr>
-          <p:nvPr>
-            <p:ph type="title"/>
-          </p:nvPr>
-        </p:nvSpPr>
-        <p:spPr/>
-        <p:txBody>
-          <a:bodyPr/>
-          <a:lstStyle/>
-          <a:p>
-            <a:r>
-              <a:rPr lang="en-US" dirty="0" err="1"/>
-              <a:t>Trimmomatic</a:t>
-            </a:r>
-            <a:r>
-              <a:rPr lang="en-US" dirty="0"/>
-              <a:t> Code</a:t>
-            </a:r>
-          </a:p>
-        </p:txBody>
-      </p:sp>
-      <p:sp>
-        <p:nvSpPr>
-          <p:cNvPr id="3" name="Content Placeholder 2">
-            <a:extLst>
-              <a:ext uri="{FF2B5EF4-FFF2-40B4-BE49-F238E27FC236}">
-                <a16:creationId xmlns:a16="http://schemas.microsoft.com/office/drawing/2014/main" id="{9898AC89-E8AC-23DA-688A-AAF173E49355}"/>
-              </a:ext>
-            </a:extLst>
-          </p:cNvPr>
-          <p:cNvSpPr>
-            <a:spLocks noGrp="1"/>
-          </p:cNvSpPr>
-          <p:nvPr>
-            <p:ph idx="1"/>
-          </p:nvPr>
-        </p:nvSpPr>
-        <p:spPr/>
-        <p:txBody>
-          <a:bodyPr/>
-          <a:lstStyle/>
-          <a:p>
-            <a:endParaRPr lang="en-US"/>
-          </a:p>
-        </p:txBody>
-      </p:sp>
-    </p:spTree>
-    <p:extLst>
-      <p:ext uri="{BB962C8B-B14F-4D97-AF65-F5344CB8AC3E}">
-        <p14:creationId xmlns:p14="http://schemas.microsoft.com/office/powerpoint/2010/main" val="3857900977"/>
-      </p:ext>
-    </p:extLst>
-  </p:cSld>
-  <p:clrMapOvr>
-    <a:masterClrMapping/>
-  </p:clrMapOvr>
-</p:sld>
-</file>
-
-<file path=ppt/slides/slide7.xml><?xml version="1.0" encoding="utf-8"?>
-<p:sld xmlns:a="http://schemas.openxmlformats.org/drawingml/2006/main" xmlns:r="http://schemas.openxmlformats.org/officeDocument/2006/relationships" xmlns:p="http://schemas.openxmlformats.org/presentationml/2006/main">
-  <p:cSld>
-    <p:spTree>
-      <p:nvGrpSpPr>
-        <p:cNvPr id="1" name=""/>
-        <p:cNvGrpSpPr/>
-        <p:nvPr/>
-      </p:nvGrpSpPr>
-      <p:grpSpPr>
-        <a:xfrm>
-          <a:off x="0" y="0"/>
-          <a:ext cx="0" cy="0"/>
-          <a:chOff x="0" y="0"/>
-          <a:chExt cx="0" cy="0"/>
-        </a:xfrm>
-      </p:grpSpPr>
-      <p:sp>
-        <p:nvSpPr>
-          <p:cNvPr id="2" name="Title 1">
-            <a:extLst>
-              <a:ext uri="{FF2B5EF4-FFF2-40B4-BE49-F238E27FC236}">
-                <a16:creationId xmlns:a16="http://schemas.microsoft.com/office/drawing/2014/main" id="{C0485156-E6D3-CBCD-C312-4FBE8DCE5D84}"/>
-              </a:ext>
-            </a:extLst>
-          </p:cNvPr>
-          <p:cNvSpPr>
-            <a:spLocks noGrp="1"/>
-          </p:cNvSpPr>
-          <p:nvPr>
-            <p:ph type="title"/>
-          </p:nvPr>
-        </p:nvSpPr>
-        <p:spPr/>
-        <p:txBody>
-          <a:bodyPr/>
-          <a:lstStyle/>
-          <a:p>
-            <a:r>
-              <a:rPr lang="en-US" dirty="0"/>
-              <a:t>Example </a:t>
-            </a:r>
-            <a:r>
-              <a:rPr lang="en-US" dirty="0" err="1"/>
-              <a:t>MultiQC</a:t>
-            </a:r>
-            <a:r>
-              <a:rPr lang="en-US" dirty="0"/>
-              <a:t> Post </a:t>
-            </a:r>
-            <a:r>
-              <a:rPr lang="en-US" dirty="0" err="1"/>
-              <a:t>Trimmomatic</a:t>
-            </a:r>
-            <a:endParaRPr lang="en-US" dirty="0"/>
-          </a:p>
-        </p:txBody>
-      </p:sp>
-      <p:sp>
-        <p:nvSpPr>
-          <p:cNvPr id="3" name="Content Placeholder 2">
-            <a:extLst>
-              <a:ext uri="{FF2B5EF4-FFF2-40B4-BE49-F238E27FC236}">
-                <a16:creationId xmlns:a16="http://schemas.microsoft.com/office/drawing/2014/main" id="{9898AC89-E8AC-23DA-688A-AAF173E49355}"/>
-              </a:ext>
-            </a:extLst>
-          </p:cNvPr>
-          <p:cNvSpPr>
-            <a:spLocks noGrp="1"/>
-          </p:cNvSpPr>
-          <p:nvPr>
-            <p:ph idx="1"/>
-          </p:nvPr>
-        </p:nvSpPr>
-        <p:spPr/>
-        <p:txBody>
-          <a:bodyPr/>
-          <a:lstStyle/>
-          <a:p>
-            <a:endParaRPr lang="en-US"/>
-          </a:p>
-        </p:txBody>
-      </p:sp>
-    </p:spTree>
-    <p:extLst>
-      <p:ext uri="{BB962C8B-B14F-4D97-AF65-F5344CB8AC3E}">
-        <p14:creationId xmlns:p14="http://schemas.microsoft.com/office/powerpoint/2010/main" val="4159625672"/>
-      </p:ext>
-    </p:extLst>
-  </p:cSld>
-  <p:clrMapOvr>
-    <a:masterClrMapping/>
-  </p:clrMapOvr>
-</p:sld>
-</file>
-
-<file path=ppt/slides/slide8.xml><?xml version="1.0" encoding="utf-8"?>
-<p:sld xmlns:a="http://schemas.openxmlformats.org/drawingml/2006/main" xmlns:r="http://schemas.openxmlformats.org/officeDocument/2006/relationships" xmlns:p="http://schemas.openxmlformats.org/presentationml/2006/main">
-  <p:cSld>
-    <p:spTree>
-      <p:nvGrpSpPr>
-        <p:cNvPr id="1" name=""/>
-        <p:cNvGrpSpPr/>
-        <p:nvPr/>
-      </p:nvGrpSpPr>
-      <p:grpSpPr>
-        <a:xfrm>
-          <a:off x="0" y="0"/>
-          <a:ext cx="0" cy="0"/>
-          <a:chOff x="0" y="0"/>
-          <a:chExt cx="0" cy="0"/>
-        </a:xfrm>
-      </p:grpSpPr>
-      <p:sp>
-        <p:nvSpPr>
-          <p:cNvPr id="2" name="Title 1">
-            <a:extLst>
-              <a:ext uri="{FF2B5EF4-FFF2-40B4-BE49-F238E27FC236}">
-                <a16:creationId xmlns:a16="http://schemas.microsoft.com/office/drawing/2014/main" id="{C0485156-E6D3-CBCD-C312-4FBE8DCE5D84}"/>
-              </a:ext>
-            </a:extLst>
-          </p:cNvPr>
-          <p:cNvSpPr>
-            <a:spLocks noGrp="1"/>
-          </p:cNvSpPr>
-          <p:nvPr>
-            <p:ph type="title"/>
-          </p:nvPr>
-        </p:nvSpPr>
-        <p:spPr/>
-        <p:txBody>
-          <a:bodyPr/>
-          <a:lstStyle/>
-          <a:p>
-            <a:r>
-              <a:rPr lang="en-US" dirty="0"/>
-              <a:t>STAR Explained</a:t>
-            </a:r>
-          </a:p>
-        </p:txBody>
-      </p:sp>
-      <p:sp>
-        <p:nvSpPr>
-          <p:cNvPr id="3" name="Content Placeholder 2">
-            <a:extLst>
-              <a:ext uri="{FF2B5EF4-FFF2-40B4-BE49-F238E27FC236}">
-                <a16:creationId xmlns:a16="http://schemas.microsoft.com/office/drawing/2014/main" id="{9898AC89-E8AC-23DA-688A-AAF173E49355}"/>
-              </a:ext>
-            </a:extLst>
-          </p:cNvPr>
-          <p:cNvSpPr>
-            <a:spLocks noGrp="1"/>
-          </p:cNvSpPr>
-          <p:nvPr>
-            <p:ph idx="1"/>
-          </p:nvPr>
-        </p:nvSpPr>
-        <p:spPr/>
-        <p:txBody>
-          <a:bodyPr/>
-          <a:lstStyle/>
-          <a:p>
-            <a:endParaRPr lang="en-US"/>
-          </a:p>
-        </p:txBody>
-      </p:sp>
-    </p:spTree>
-    <p:extLst>
-      <p:ext uri="{BB962C8B-B14F-4D97-AF65-F5344CB8AC3E}">
-        <p14:creationId xmlns:p14="http://schemas.microsoft.com/office/powerpoint/2010/main" val="3011689496"/>
-      </p:ext>
-    </p:extLst>
-  </p:cSld>
-  <p:clrMapOvr>
-    <a:masterClrMapping/>
-  </p:clrMapOvr>
-</p:sld>
-</file>
-
-<file path=ppt/slides/slide9.xml><?xml version="1.0" encoding="utf-8"?>
-<p:sld xmlns:a="http://schemas.openxmlformats.org/drawingml/2006/main" xmlns:r="http://schemas.openxmlformats.org/officeDocument/2006/relationships" xmlns:p="http://schemas.openxmlformats.org/presentationml/2006/main">
-  <p:cSld>
-    <p:spTree>
-      <p:nvGrpSpPr>
-        <p:cNvPr id="1" name=""/>
-        <p:cNvGrpSpPr/>
-        <p:nvPr/>
-      </p:nvGrpSpPr>
-      <p:grpSpPr>
-        <a:xfrm>
-          <a:off x="0" y="0"/>
-          <a:ext cx="0" cy="0"/>
-          <a:chOff x="0" y="0"/>
-          <a:chExt cx="0" cy="0"/>
-        </a:xfrm>
-      </p:grpSpPr>
-      <p:sp>
-        <p:nvSpPr>
-          <p:cNvPr id="2" name="Title 1">
-            <a:extLst>
-              <a:ext uri="{FF2B5EF4-FFF2-40B4-BE49-F238E27FC236}">
-                <a16:creationId xmlns:a16="http://schemas.microsoft.com/office/drawing/2014/main" id="{C0485156-E6D3-CBCD-C312-4FBE8DCE5D84}"/>
-              </a:ext>
-            </a:extLst>
-          </p:cNvPr>
-          <p:cNvSpPr>
-            <a:spLocks noGrp="1"/>
-          </p:cNvSpPr>
-          <p:nvPr>
-            <p:ph type="title"/>
-          </p:nvPr>
-        </p:nvSpPr>
-        <p:spPr/>
-        <p:txBody>
-          <a:bodyPr/>
-          <a:lstStyle/>
-          <a:p>
-            <a:r>
-              <a:rPr lang="en-US" dirty="0"/>
-              <a:t>STAR Workflow</a:t>
-            </a:r>
-          </a:p>
-        </p:txBody>
-      </p:sp>
-      <p:sp>
-        <p:nvSpPr>
-          <p:cNvPr id="3" name="Content Placeholder 2">
-            <a:extLst>
-              <a:ext uri="{FF2B5EF4-FFF2-40B4-BE49-F238E27FC236}">
-                <a16:creationId xmlns:a16="http://schemas.microsoft.com/office/drawing/2014/main" id="{9898AC89-E8AC-23DA-688A-AAF173E49355}"/>
-              </a:ext>
-            </a:extLst>
-          </p:cNvPr>
-          <p:cNvSpPr>
-            <a:spLocks noGrp="1"/>
-          </p:cNvSpPr>
-          <p:nvPr>
-            <p:ph idx="1"/>
-          </p:nvPr>
-        </p:nvSpPr>
-        <p:spPr/>
-        <p:txBody>
-          <a:bodyPr/>
-          <a:lstStyle/>
-          <a:p>
-            <a:endParaRPr lang="en-US"/>
-          </a:p>
-        </p:txBody>
-      </p:sp>
-    </p:spTree>
-    <p:extLst>
-      <p:ext uri="{BB962C8B-B14F-4D97-AF65-F5344CB8AC3E}">
-        <p14:creationId xmlns:p14="http://schemas.microsoft.com/office/powerpoint/2010/main" val="3264383245"/>
-      </p:ext>
-    </p:extLst>
-  </p:cSld>
-  <p:clrMapOvr>
-    <a:masterClrMapping/>
-  </p:clrMapOvr>
 </p:sld>
 </file>
 
